--- a/src/banner.pptx
+++ b/src/banner.pptx
@@ -271,7 +271,7 @@
           <a:p>
             <a:fld id="{CD65255C-9570-425E-868F-A2F5E17D3B97}" type="datetimeFigureOut">
               <a:rPr lang="ko-KR" altLang="en-US" smtClean="0"/>
-              <a:t>2021-08-09</a:t>
+              <a:t>2021-09-25</a:t>
             </a:fld>
             <a:endParaRPr lang="ko-KR" altLang="en-US"/>
           </a:p>
@@ -469,7 +469,7 @@
           <a:p>
             <a:fld id="{CD65255C-9570-425E-868F-A2F5E17D3B97}" type="datetimeFigureOut">
               <a:rPr lang="ko-KR" altLang="en-US" smtClean="0"/>
-              <a:t>2021-08-09</a:t>
+              <a:t>2021-09-25</a:t>
             </a:fld>
             <a:endParaRPr lang="ko-KR" altLang="en-US"/>
           </a:p>
@@ -677,7 +677,7 @@
           <a:p>
             <a:fld id="{CD65255C-9570-425E-868F-A2F5E17D3B97}" type="datetimeFigureOut">
               <a:rPr lang="ko-KR" altLang="en-US" smtClean="0"/>
-              <a:t>2021-08-09</a:t>
+              <a:t>2021-09-25</a:t>
             </a:fld>
             <a:endParaRPr lang="ko-KR" altLang="en-US"/>
           </a:p>
@@ -875,7 +875,7 @@
           <a:p>
             <a:fld id="{CD65255C-9570-425E-868F-A2F5E17D3B97}" type="datetimeFigureOut">
               <a:rPr lang="ko-KR" altLang="en-US" smtClean="0"/>
-              <a:t>2021-08-09</a:t>
+              <a:t>2021-09-25</a:t>
             </a:fld>
             <a:endParaRPr lang="ko-KR" altLang="en-US"/>
           </a:p>
@@ -1150,7 +1150,7 @@
           <a:p>
             <a:fld id="{CD65255C-9570-425E-868F-A2F5E17D3B97}" type="datetimeFigureOut">
               <a:rPr lang="ko-KR" altLang="en-US" smtClean="0"/>
-              <a:t>2021-08-09</a:t>
+              <a:t>2021-09-25</a:t>
             </a:fld>
             <a:endParaRPr lang="ko-KR" altLang="en-US"/>
           </a:p>
@@ -1415,7 +1415,7 @@
           <a:p>
             <a:fld id="{CD65255C-9570-425E-868F-A2F5E17D3B97}" type="datetimeFigureOut">
               <a:rPr lang="ko-KR" altLang="en-US" smtClean="0"/>
-              <a:t>2021-08-09</a:t>
+              <a:t>2021-09-25</a:t>
             </a:fld>
             <a:endParaRPr lang="ko-KR" altLang="en-US"/>
           </a:p>
@@ -1827,7 +1827,7 @@
           <a:p>
             <a:fld id="{CD65255C-9570-425E-868F-A2F5E17D3B97}" type="datetimeFigureOut">
               <a:rPr lang="ko-KR" altLang="en-US" smtClean="0"/>
-              <a:t>2021-08-09</a:t>
+              <a:t>2021-09-25</a:t>
             </a:fld>
             <a:endParaRPr lang="ko-KR" altLang="en-US"/>
           </a:p>
@@ -1968,7 +1968,7 @@
           <a:p>
             <a:fld id="{CD65255C-9570-425E-868F-A2F5E17D3B97}" type="datetimeFigureOut">
               <a:rPr lang="ko-KR" altLang="en-US" smtClean="0"/>
-              <a:t>2021-08-09</a:t>
+              <a:t>2021-09-25</a:t>
             </a:fld>
             <a:endParaRPr lang="ko-KR" altLang="en-US"/>
           </a:p>
@@ -2081,7 +2081,7 @@
           <a:p>
             <a:fld id="{CD65255C-9570-425E-868F-A2F5E17D3B97}" type="datetimeFigureOut">
               <a:rPr lang="ko-KR" altLang="en-US" smtClean="0"/>
-              <a:t>2021-08-09</a:t>
+              <a:t>2021-09-25</a:t>
             </a:fld>
             <a:endParaRPr lang="ko-KR" altLang="en-US"/>
           </a:p>
@@ -2392,7 +2392,7 @@
           <a:p>
             <a:fld id="{CD65255C-9570-425E-868F-A2F5E17D3B97}" type="datetimeFigureOut">
               <a:rPr lang="ko-KR" altLang="en-US" smtClean="0"/>
-              <a:t>2021-08-09</a:t>
+              <a:t>2021-09-25</a:t>
             </a:fld>
             <a:endParaRPr lang="ko-KR" altLang="en-US"/>
           </a:p>
@@ -2680,7 +2680,7 @@
           <a:p>
             <a:fld id="{CD65255C-9570-425E-868F-A2F5E17D3B97}" type="datetimeFigureOut">
               <a:rPr lang="ko-KR" altLang="en-US" smtClean="0"/>
-              <a:t>2021-08-09</a:t>
+              <a:t>2021-09-25</a:t>
             </a:fld>
             <a:endParaRPr lang="ko-KR" altLang="en-US"/>
           </a:p>
@@ -2921,7 +2921,7 @@
           <a:p>
             <a:fld id="{CD65255C-9570-425E-868F-A2F5E17D3B97}" type="datetimeFigureOut">
               <a:rPr lang="ko-KR" altLang="en-US" smtClean="0"/>
-              <a:t>2021-08-09</a:t>
+              <a:t>2021-09-25</a:t>
             </a:fld>
             <a:endParaRPr lang="ko-KR" altLang="en-US"/>
           </a:p>
@@ -3352,7 +3352,7 @@
         </p:nvGrpSpPr>
         <p:grpSpPr>
           <a:xfrm>
-            <a:off x="596389" y="156094"/>
+            <a:off x="746681" y="349184"/>
             <a:ext cx="3365319" cy="1159060"/>
             <a:chOff x="0" y="-2582"/>
             <a:chExt cx="3365319" cy="1159060"/>
@@ -3549,8 +3549,8 @@
           </p:nvSpPr>
           <p:spPr>
             <a:xfrm>
-              <a:off x="6009" y="659694"/>
-              <a:ext cx="3292376" cy="307777"/>
+              <a:off x="6009" y="569733"/>
+              <a:ext cx="3292376" cy="523220"/>
             </a:xfrm>
             <a:prstGeom prst="rect">
               <a:avLst/>
@@ -3600,6 +3600,29 @@
                 </a:rPr>
                 <a:t> 가이드 </a:t>
               </a:r>
+              <a:br>
+                <a:rPr lang="en-US" altLang="ko-KR" sz="1400" b="1" dirty="0">
+                  <a:ln w="12700">
+                    <a:solidFill>
+                      <a:srgbClr val="FFFFFF"/>
+                    </a:solidFill>
+                  </a:ln>
+                  <a:latin typeface="빙그레체" panose="02030803000000000000" pitchFamily="18" charset="-127"/>
+                  <a:ea typeface="빙그레체" panose="02030803000000000000" pitchFamily="18" charset="-127"/>
+                </a:rPr>
+              </a:br>
+              <a:r>
+                <a:rPr lang="ko-KR" altLang="en-US" sz="1400" b="1" dirty="0">
+                  <a:ln w="12700">
+                    <a:solidFill>
+                      <a:srgbClr val="FFFFFF"/>
+                    </a:solidFill>
+                  </a:ln>
+                  <a:latin typeface="빙그레체" panose="02030803000000000000" pitchFamily="18" charset="-127"/>
+                  <a:ea typeface="빙그레체" panose="02030803000000000000" pitchFamily="18" charset="-127"/>
+                </a:rPr>
+                <a:t>한글패치 </a:t>
+              </a:r>
               <a:r>
                 <a:rPr lang="en-US" altLang="ko-KR" sz="1400" b="1" dirty="0">
                   <a:ln w="12700">
@@ -3622,7 +3645,7 @@
                   <a:latin typeface="빙그레체" panose="02030803000000000000" pitchFamily="18" charset="-127"/>
                   <a:ea typeface="빙그레체" panose="02030803000000000000" pitchFamily="18" charset="-127"/>
                 </a:rPr>
-                <a:t>한글패치</a:t>
+                <a:t>한글 위키</a:t>
               </a:r>
               <a:endParaRPr lang="en-US" altLang="ko-KR" sz="1400" b="1" dirty="0">
                 <a:ln w="12700">
@@ -3651,10 +3674,10 @@
         </p:nvGrpSpPr>
         <p:grpSpPr>
           <a:xfrm>
-            <a:off x="682216" y="1506754"/>
-            <a:ext cx="3337262" cy="1156478"/>
-            <a:chOff x="-11204" y="1163854"/>
-            <a:chExt cx="3337262" cy="1156478"/>
+            <a:off x="712956" y="1506754"/>
+            <a:ext cx="3306522" cy="1156478"/>
+            <a:chOff x="19536" y="1163854"/>
+            <a:chExt cx="3306522" cy="1156478"/>
           </a:xfrm>
         </p:grpSpPr>
         <p:pic>
@@ -3712,10 +3735,10 @@
           </p:nvGrpSpPr>
           <p:grpSpPr>
             <a:xfrm>
-              <a:off x="-11204" y="1163854"/>
-              <a:ext cx="3337262" cy="1156478"/>
-              <a:chOff x="-38879" y="1136536"/>
-              <a:chExt cx="3337262" cy="1156478"/>
+              <a:off x="19536" y="1163854"/>
+              <a:ext cx="3306522" cy="1156478"/>
+              <a:chOff x="-8139" y="1136536"/>
+              <a:chExt cx="3306522" cy="1156478"/>
             </a:xfrm>
           </p:grpSpPr>
           <p:sp>
@@ -3858,8 +3881,8 @@
             </p:nvSpPr>
             <p:spPr>
               <a:xfrm>
-                <a:off x="-38879" y="1766178"/>
-                <a:ext cx="3296175" cy="307777"/>
+                <a:off x="-5624" y="1693301"/>
+                <a:ext cx="3296175" cy="523220"/>
               </a:xfrm>
               <a:prstGeom prst="rect">
                 <a:avLst/>
@@ -3934,7 +3957,7 @@
                   <a:t>/ </a:t>
                 </a:r>
                 <a:r>
-                  <a:rPr lang="ko-KR" altLang="en-US" sz="1400" b="1" dirty="0" err="1">
+                  <a:rPr lang="ko-KR" altLang="en-US" sz="1400" b="1" dirty="0">
                     <a:ln w="12700">
                       <a:solidFill>
                         <a:srgbClr val="FFFFFF"/>
@@ -3943,7 +3966,54 @@
                     <a:latin typeface="빙그레체" panose="02030803000000000000" pitchFamily="18" charset="-127"/>
                     <a:ea typeface="빙그레체" panose="02030803000000000000" pitchFamily="18" charset="-127"/>
                   </a:rPr>
-                  <a:t>리세</a:t>
+                  <a:t>리세마라</a:t>
+                </a:r>
+                <a:br>
+                  <a:rPr lang="en-US" altLang="ko-KR" sz="1400" b="1" dirty="0">
+                    <a:ln w="12700">
+                      <a:solidFill>
+                        <a:srgbClr val="FFFFFF"/>
+                      </a:solidFill>
+                    </a:ln>
+                    <a:latin typeface="빙그레체" panose="02030803000000000000" pitchFamily="18" charset="-127"/>
+                    <a:ea typeface="빙그레체" panose="02030803000000000000" pitchFamily="18" charset="-127"/>
+                  </a:rPr>
+                </a:br>
+                <a:r>
+                  <a:rPr lang="ko-KR" altLang="en-US" sz="1400" b="1" dirty="0">
+                    <a:ln w="12700">
+                      <a:solidFill>
+                        <a:srgbClr val="FFFFFF"/>
+                      </a:solidFill>
+                    </a:ln>
+                    <a:latin typeface="빙그레체" panose="02030803000000000000" pitchFamily="18" charset="-127"/>
+                    <a:ea typeface="빙그레체" panose="02030803000000000000" pitchFamily="18" charset="-127"/>
+                  </a:rPr>
+                  <a:t>결제 효율 </a:t>
+                </a:r>
+                <a:r>
+                  <a:rPr lang="en-US" altLang="ko-KR" sz="1400" b="1" dirty="0">
+                    <a:ln w="12700">
+                      <a:solidFill>
+                        <a:srgbClr val="FFFFFF"/>
+                      </a:solidFill>
+                    </a:ln>
+                    <a:latin typeface="빙그레체" panose="02030803000000000000" pitchFamily="18" charset="-127"/>
+                    <a:ea typeface="빙그레체" panose="02030803000000000000" pitchFamily="18" charset="-127"/>
+                  </a:rPr>
+                  <a:t>/ </a:t>
+                </a:r>
+                <a:r>
+                  <a:rPr lang="ko-KR" altLang="en-US" sz="1400" b="1" dirty="0">
+                    <a:ln w="12700">
+                      <a:solidFill>
+                        <a:srgbClr val="FFFFFF"/>
+                      </a:solidFill>
+                    </a:ln>
+                    <a:latin typeface="빙그레체" panose="02030803000000000000" pitchFamily="18" charset="-127"/>
+                    <a:ea typeface="빙그레체" panose="02030803000000000000" pitchFamily="18" charset="-127"/>
+                  </a:rPr>
+                  <a:t>기타</a:t>
                 </a:r>
                 <a:endParaRPr lang="en-US" altLang="ko-KR" sz="1400" b="1" dirty="0">
                   <a:ln w="12700">
@@ -3973,7 +4043,7 @@
         </p:nvGrpSpPr>
         <p:grpSpPr>
           <a:xfrm>
-            <a:off x="652119" y="3897432"/>
+            <a:off x="720439" y="3998264"/>
             <a:ext cx="3308741" cy="1156478"/>
             <a:chOff x="-20505" y="3899450"/>
             <a:chExt cx="3308741" cy="1156478"/>
@@ -4169,7 +4239,66 @@
                       <a:latin typeface="빙그레체" panose="02030803000000000000" pitchFamily="18" charset="-127"/>
                       <a:ea typeface="빙그레체" panose="02030803000000000000" pitchFamily="18" charset="-127"/>
                     </a:rPr>
-                    <a:t>  프로듀스 기본 설명 </a:t>
+                    <a:t>  </a:t>
+                  </a:r>
+                  <a:r>
+                    <a:rPr lang="en-US" altLang="ko-KR" sz="1400" b="1" dirty="0">
+                      <a:ln w="12700">
+                        <a:solidFill>
+                          <a:srgbClr val="FFFFFF"/>
+                        </a:solidFill>
+                      </a:ln>
+                      <a:latin typeface="빙그레체" panose="02030803000000000000" pitchFamily="18" charset="-127"/>
+                      <a:ea typeface="빙그레체" panose="02030803000000000000" pitchFamily="18" charset="-127"/>
+                    </a:rPr>
+                    <a:t>W.I.N.G / </a:t>
+                  </a:r>
+                  <a:r>
+                    <a:rPr lang="ko-KR" altLang="en-US" sz="1400" b="1" dirty="0" err="1">
+                      <a:ln w="12700">
+                        <a:solidFill>
+                          <a:srgbClr val="FFFFFF"/>
+                        </a:solidFill>
+                      </a:ln>
+                      <a:latin typeface="빙그레체" panose="02030803000000000000" pitchFamily="18" charset="-127"/>
+                      <a:ea typeface="빙그레체" panose="02030803000000000000" pitchFamily="18" charset="-127"/>
+                    </a:rPr>
+                    <a:t>트루엔드</a:t>
+                  </a:r>
+                  <a:br>
+                    <a:rPr lang="en-US" altLang="ko-KR" sz="1400" b="1" dirty="0">
+                      <a:ln w="12700">
+                        <a:solidFill>
+                          <a:srgbClr val="FFFFFF"/>
+                        </a:solidFill>
+                      </a:ln>
+                      <a:latin typeface="빙그레체" panose="02030803000000000000" pitchFamily="18" charset="-127"/>
+                      <a:ea typeface="빙그레체" panose="02030803000000000000" pitchFamily="18" charset="-127"/>
+                    </a:rPr>
+                  </a:br>
+                  <a:r>
+                    <a:rPr lang="en-US" altLang="ko-KR" sz="1400" b="1" dirty="0">
+                      <a:ln w="12700">
+                        <a:solidFill>
+                          <a:srgbClr val="FFFFFF"/>
+                        </a:solidFill>
+                      </a:ln>
+                      <a:latin typeface="빙그레체" panose="02030803000000000000" pitchFamily="18" charset="-127"/>
+                      <a:ea typeface="빙그레체" panose="02030803000000000000" pitchFamily="18" charset="-127"/>
+                    </a:rPr>
+                    <a:t>S</a:t>
+                  </a:r>
+                  <a:r>
+                    <a:rPr lang="ko-KR" altLang="en-US" sz="1400" b="1" dirty="0">
+                      <a:ln w="12700">
+                        <a:solidFill>
+                          <a:srgbClr val="FFFFFF"/>
+                        </a:solidFill>
+                      </a:ln>
+                      <a:latin typeface="빙그레체" panose="02030803000000000000" pitchFamily="18" charset="-127"/>
+                      <a:ea typeface="빙그레체" panose="02030803000000000000" pitchFamily="18" charset="-127"/>
+                    </a:rPr>
+                    <a:t>랭크 </a:t>
                   </a:r>
                   <a:r>
                     <a:rPr lang="en-US" altLang="ko-KR" sz="1400" b="1" dirty="0">
@@ -4193,91 +4322,7 @@
                       <a:latin typeface="빙그레체" panose="02030803000000000000" pitchFamily="18" charset="-127"/>
                       <a:ea typeface="빙그레체" panose="02030803000000000000" pitchFamily="18" charset="-127"/>
                     </a:rPr>
-                    <a:t>덱</a:t>
-                  </a:r>
-                  <a:r>
-                    <a:rPr lang="ko-KR" altLang="en-US" sz="1400" b="1" dirty="0">
-                      <a:ln w="12700">
-                        <a:solidFill>
-                          <a:srgbClr val="FFFFFF"/>
-                        </a:solidFill>
-                      </a:ln>
-                      <a:latin typeface="빙그레체" panose="02030803000000000000" pitchFamily="18" charset="-127"/>
-                      <a:ea typeface="빙그레체" panose="02030803000000000000" pitchFamily="18" charset="-127"/>
-                    </a:rPr>
-                    <a:t> </a:t>
-                  </a:r>
-                  <a:r>
-                    <a:rPr lang="en-US" altLang="ko-KR" sz="1400" b="1" dirty="0">
-                      <a:ln w="12700">
-                        <a:solidFill>
-                          <a:srgbClr val="FFFFFF"/>
-                        </a:solidFill>
-                      </a:ln>
-                      <a:latin typeface="빙그레체" panose="02030803000000000000" pitchFamily="18" charset="-127"/>
-                      <a:ea typeface="빙그레체" panose="02030803000000000000" pitchFamily="18" charset="-127"/>
-                    </a:rPr>
-                    <a:t>/ </a:t>
-                  </a:r>
-                  <a:r>
-                    <a:rPr lang="ko-KR" altLang="en-US" sz="1400" b="1" dirty="0">
-                      <a:ln w="12700">
-                        <a:solidFill>
-                          <a:srgbClr val="FFFFFF"/>
-                        </a:solidFill>
-                      </a:ln>
-                      <a:latin typeface="빙그레체" panose="02030803000000000000" pitchFamily="18" charset="-127"/>
-                      <a:ea typeface="빙그레체" panose="02030803000000000000" pitchFamily="18" charset="-127"/>
-                    </a:rPr>
-                    <a:t>스킬</a:t>
-                  </a:r>
-                  <a:endParaRPr lang="en-US" altLang="ko-KR" sz="1400" b="1" dirty="0">
-                    <a:ln w="12700">
-                      <a:solidFill>
-                        <a:srgbClr val="FFFFFF"/>
-                      </a:solidFill>
-                    </a:ln>
-                    <a:latin typeface="빙그레체" panose="02030803000000000000" pitchFamily="18" charset="-127"/>
-                    <a:ea typeface="빙그레체" panose="02030803000000000000" pitchFamily="18" charset="-127"/>
-                  </a:endParaRPr>
-                </a:p>
-                <a:p>
-                  <a:pPr algn="ctr"/>
-                  <a:r>
-                    <a:rPr lang="ko-KR" altLang="en-US" sz="1400" b="1" dirty="0">
-                      <a:ln w="12700">
-                        <a:solidFill>
-                          <a:srgbClr val="FFFFFF"/>
-                        </a:solidFill>
-                      </a:ln>
-                      <a:latin typeface="빙그레체" panose="02030803000000000000" pitchFamily="18" charset="-127"/>
-                      <a:ea typeface="빙그레체" panose="02030803000000000000" pitchFamily="18" charset="-127"/>
-                    </a:rPr>
-                    <a:t>  이벤트 </a:t>
-                  </a:r>
-                  <a:r>
-                    <a:rPr lang="en-US" altLang="ko-KR" sz="1400" b="1" dirty="0">
-                      <a:ln w="12700">
-                        <a:solidFill>
-                          <a:srgbClr val="FFFFFF"/>
-                        </a:solidFill>
-                      </a:ln>
-                      <a:latin typeface="빙그레체" panose="02030803000000000000" pitchFamily="18" charset="-127"/>
-                      <a:ea typeface="빙그레체" panose="02030803000000000000" pitchFamily="18" charset="-127"/>
-                    </a:rPr>
-                    <a:t>/ </a:t>
-                  </a:r>
-                  <a:r>
-                    <a:rPr lang="ko-KR" altLang="en-US" sz="1400" b="1" dirty="0">
-                      <a:ln w="12700">
-                        <a:solidFill>
-                          <a:srgbClr val="FFFFFF"/>
-                        </a:solidFill>
-                      </a:ln>
-                      <a:latin typeface="빙그레체" panose="02030803000000000000" pitchFamily="18" charset="-127"/>
-                      <a:ea typeface="빙그레체" panose="02030803000000000000" pitchFamily="18" charset="-127"/>
-                    </a:rPr>
-                    <a:t>약속</a:t>
+                    <a:t>팬작</a:t>
                   </a:r>
                   <a:endParaRPr lang="en-US" altLang="ko-KR" sz="1400" b="1" dirty="0">
                     <a:ln w="12700">
@@ -4951,9 +4996,9 @@
         <p:grpSpPr>
           <a:xfrm>
             <a:off x="4104843" y="1530761"/>
-            <a:ext cx="3399314" cy="1156478"/>
+            <a:ext cx="3321487" cy="1156478"/>
             <a:chOff x="3672912" y="1906027"/>
-            <a:chExt cx="3399314" cy="1156478"/>
+            <a:chExt cx="3321487" cy="1156478"/>
           </a:xfrm>
         </p:grpSpPr>
         <p:pic>
@@ -4970,7 +5015,7 @@
             </p:cNvPicPr>
             <p:nvPr/>
           </p:nvPicPr>
-          <p:blipFill>
+          <p:blipFill rotWithShape="1">
             <a:blip r:embed="rId9">
               <a:extLst>
                 <a:ext uri="{28A0092B-C50C-407E-A947-70E740481C1C}">
@@ -4978,14 +5023,13 @@
                 </a:ext>
               </a:extLst>
             </a:blip>
-            <a:stretch>
-              <a:fillRect/>
-            </a:stretch>
+            <a:srcRect r="7086"/>
+            <a:stretch/>
           </p:blipFill>
           <p:spPr>
             <a:xfrm>
               <a:off x="5973966" y="1933336"/>
-              <a:ext cx="1098260" cy="1098260"/>
+              <a:ext cx="1020433" cy="1098260"/>
             </a:xfrm>
             <a:prstGeom prst="rect">
               <a:avLst/>
@@ -5190,7 +5234,7 @@
                     <a:latin typeface="빙그레체" panose="02030803000000000000" pitchFamily="18" charset="-127"/>
                     <a:ea typeface="빙그레체" panose="02030803000000000000" pitchFamily="18" charset="-127"/>
                   </a:rPr>
-                  <a:t>감사제 기본 설명 </a:t>
+                  <a:t>랜딩 포인트 기본 설명 </a:t>
                 </a:r>
                 <a:r>
                   <a:rPr lang="en-US" altLang="ko-KR" sz="1400" b="1" dirty="0">
@@ -5959,10 +6003,10 @@
         </p:nvGrpSpPr>
         <p:grpSpPr>
           <a:xfrm>
-            <a:off x="4092940" y="4014013"/>
-            <a:ext cx="3411217" cy="1245832"/>
+            <a:off x="4108758" y="4022776"/>
+            <a:ext cx="3317572" cy="1245832"/>
             <a:chOff x="3892130" y="5151452"/>
-            <a:chExt cx="3411217" cy="1245832"/>
+            <a:chExt cx="3317572" cy="1245832"/>
           </a:xfrm>
         </p:grpSpPr>
         <p:pic>
@@ -5979,7 +6023,7 @@
             </p:cNvPicPr>
             <p:nvPr/>
           </p:nvPicPr>
-          <p:blipFill>
+          <p:blipFill rotWithShape="1">
             <a:blip r:embed="rId12">
               <a:extLst>
                 <a:ext uri="{28A0092B-C50C-407E-A947-70E740481C1C}">
@@ -5987,14 +6031,13 @@
                 </a:ext>
               </a:extLst>
             </a:blip>
-            <a:stretch>
-              <a:fillRect/>
-            </a:stretch>
+            <a:srcRect r="8567"/>
+            <a:stretch/>
           </p:blipFill>
           <p:spPr>
             <a:xfrm>
               <a:off x="6057515" y="5151452"/>
-              <a:ext cx="1245832" cy="1245832"/>
+              <a:ext cx="1139100" cy="1245832"/>
             </a:xfrm>
             <a:prstGeom prst="rect">
               <a:avLst/>
@@ -6016,9 +6059,9 @@
           <p:grpSpPr>
             <a:xfrm>
               <a:off x="3892130" y="5151452"/>
-              <a:ext cx="3308400" cy="1156478"/>
+              <a:ext cx="3317572" cy="1156478"/>
               <a:chOff x="1112520" y="2141208"/>
-              <a:chExt cx="3308400" cy="1156478"/>
+              <a:chExt cx="3317572" cy="1156478"/>
             </a:xfrm>
           </p:grpSpPr>
           <p:sp>
@@ -6174,8 +6217,8 @@
             </p:nvSpPr>
             <p:spPr>
               <a:xfrm>
-                <a:off x="1121670" y="2720297"/>
-                <a:ext cx="2981856" cy="523220"/>
+                <a:off x="1121693" y="2703698"/>
+                <a:ext cx="3308399" cy="523220"/>
               </a:xfrm>
               <a:prstGeom prst="rect">
                 <a:avLst/>
@@ -7350,7 +7393,7 @@
         </p:nvGrpSpPr>
         <p:grpSpPr>
           <a:xfrm>
-            <a:off x="4104503" y="5218108"/>
+            <a:off x="4089789" y="5229505"/>
             <a:ext cx="3308740" cy="1169996"/>
             <a:chOff x="4104503" y="5218108"/>
             <a:chExt cx="3308740" cy="1169996"/>
